--- a/docs/PyQt5 progect.pptx
+++ b/docs/PyQt5 progect.pptx
@@ -11425,7 +11425,7 @@
         </p:blipFill>
         <p:spPr>
           <a:xfrm>
-            <a:off x="916760" y="6716555"/>
+            <a:off x="916760" y="7007609"/>
             <a:ext cx="606713" cy="410359"/>
           </a:xfrm>
           <a:prstGeom prst="rect">
@@ -12453,8 +12453,8 @@
         </p:nvSpPr>
         <p:spPr>
           <a:xfrm>
-            <a:off x="647700" y="7233057"/>
-            <a:ext cx="10502900" cy="2862322"/>
+            <a:off x="916760" y="7880555"/>
+            <a:ext cx="10461813" cy="1846659"/>
           </a:xfrm>
           <a:prstGeom prst="rect">
             <a:avLst/>
@@ -12483,53 +12483,6 @@
               <a:buNone/>
             </a:pPr>
             <a:r>
-              <a:rPr lang="en-US" sz="6600" b="0" i="0" u="none" strike="noStrike" cap="none" dirty="0">
-                <a:solidFill>
-                  <a:srgbClr val="040926"/>
-                </a:solidFill>
-                <a:latin typeface="Russo One"/>
-                <a:ea typeface="Russo One"/>
-                <a:cs typeface="Russo One"/>
-                <a:sym typeface="Russo One"/>
-              </a:rPr>
-              <a:t>Data Science</a:t>
-            </a:r>
-            <a:r>
-              <a:rPr lang="en-US" sz="6000" dirty="0">
-                <a:solidFill>
-                  <a:srgbClr val="040926"/>
-                </a:solidFill>
-                <a:latin typeface="Russo One"/>
-                <a:ea typeface="Russo One"/>
-                <a:cs typeface="Russo One"/>
-                <a:sym typeface="Russo One"/>
-              </a:rPr>
-              <a:t>.</a:t>
-            </a:r>
-            <a:endParaRPr lang="ru-RU" sz="6000" b="0" i="0" u="none" strike="noStrike" cap="none" dirty="0">
-              <a:solidFill>
-                <a:srgbClr val="040926"/>
-              </a:solidFill>
-              <a:latin typeface="Russo One"/>
-              <a:ea typeface="Russo One"/>
-              <a:cs typeface="Russo One"/>
-              <a:sym typeface="Russo One"/>
-            </a:endParaRPr>
-          </a:p>
-          <a:p>
-            <a:pPr marL="0" marR="0" lvl="0" indent="0" algn="l" rtl="0">
-              <a:lnSpc>
-                <a:spcPct val="100000"/>
-              </a:lnSpc>
-              <a:spcBef>
-                <a:spcPts val="0"/>
-              </a:spcBef>
-              <a:spcAft>
-                <a:spcPts val="0"/>
-              </a:spcAft>
-              <a:buNone/>
-            </a:pPr>
-            <a:r>
               <a:rPr lang="en-US" sz="6000" b="0" i="0" u="none" strike="noStrike" cap="none" dirty="0">
                 <a:solidFill>
                   <a:srgbClr val="040926"/>
@@ -12553,7 +12506,7 @@
         </p:nvSpPr>
         <p:spPr>
           <a:xfrm>
-            <a:off x="1664576" y="6629815"/>
+            <a:off x="1664576" y="6920869"/>
             <a:ext cx="2510549" cy="603242"/>
           </a:xfrm>
           <a:prstGeom prst="rect">
@@ -13039,7 +12992,7 @@
         </p:nvSpPr>
         <p:spPr>
           <a:xfrm>
-            <a:off x="447675" y="523875"/>
+            <a:off x="824193" y="523875"/>
             <a:ext cx="8696325" cy="738664"/>
           </a:xfrm>
           <a:prstGeom prst="rect">
@@ -13104,7 +13057,7 @@
         </p:nvSpPr>
         <p:spPr>
           <a:xfrm>
-            <a:off x="447674" y="1407459"/>
+            <a:off x="824192" y="1407459"/>
             <a:ext cx="8364631" cy="2954655"/>
           </a:xfrm>
           <a:prstGeom prst="rect">
@@ -13160,7 +13113,7 @@
         </p:blipFill>
         <p:spPr>
           <a:xfrm>
-            <a:off x="447676" y="4972050"/>
+            <a:off x="824194" y="4972050"/>
             <a:ext cx="8248650" cy="4850327"/>
           </a:xfrm>
           <a:prstGeom prst="rect">
@@ -14028,53 +13981,6 @@
           </a:p>
         </p:txBody>
       </p:sp>
-      <p:pic>
-        <p:nvPicPr>
-          <p:cNvPr id="1030" name="Picture 6" descr="Синим выделены точки, красным прямая после аппроксимации.">
-            <a:extLst>
-              <a:ext uri="{FF2B5EF4-FFF2-40B4-BE49-F238E27FC236}">
-                <a16:creationId xmlns:a16="http://schemas.microsoft.com/office/drawing/2014/main" id="{2215D2F9-0CE7-E1F3-FCF0-A57248BA254F}"/>
-              </a:ext>
-            </a:extLst>
-          </p:cNvPr>
-          <p:cNvPicPr>
-            <a:picLocks noChangeAspect="1" noChangeArrowheads="1"/>
-          </p:cNvPicPr>
-          <p:nvPr/>
-        </p:nvPicPr>
-        <p:blipFill>
-          <a:blip r:embed="rId4">
-            <a:extLst>
-              <a:ext uri="{28A0092B-C50C-407E-A947-70E740481C1C}">
-                <a14:useLocalDpi xmlns:a14="http://schemas.microsoft.com/office/drawing/2010/main" val="0"/>
-              </a:ext>
-            </a:extLst>
-          </a:blip>
-          <a:srcRect/>
-          <a:stretch>
-            <a:fillRect/>
-          </a:stretch>
-        </p:blipFill>
-        <p:spPr bwMode="auto">
-          <a:xfrm>
-            <a:off x="987552" y="4715856"/>
-            <a:ext cx="8979408" cy="2555884"/>
-          </a:xfrm>
-          <a:prstGeom prst="rect">
-            <a:avLst/>
-          </a:prstGeom>
-          <a:noFill/>
-          <a:extLst>
-            <a:ext uri="{909E8E84-426E-40DD-AFC4-6F175D3DCCD1}">
-              <a14:hiddenFill xmlns:a14="http://schemas.microsoft.com/office/drawing/2010/main">
-                <a:solidFill>
-                  <a:srgbClr val="FFFFFF"/>
-                </a:solidFill>
-              </a14:hiddenFill>
-            </a:ext>
-          </a:extLst>
-        </p:spPr>
-      </p:pic>
       <p:sp>
         <p:nvSpPr>
           <p:cNvPr id="4" name="Google Shape;151;p15">
@@ -14474,6 +14380,36 @@
           </a:p>
         </p:txBody>
       </p:sp>
+      <p:pic>
+        <p:nvPicPr>
+          <p:cNvPr id="6" name="Рисунок 5">
+            <a:extLst>
+              <a:ext uri="{FF2B5EF4-FFF2-40B4-BE49-F238E27FC236}">
+                <a16:creationId xmlns:a16="http://schemas.microsoft.com/office/drawing/2014/main" id="{7977C77C-B57D-D00F-9F64-707369DF5EAC}"/>
+              </a:ext>
+            </a:extLst>
+          </p:cNvPr>
+          <p:cNvPicPr>
+            <a:picLocks noChangeAspect="1"/>
+          </p:cNvPicPr>
+          <p:nvPr/>
+        </p:nvPicPr>
+        <p:blipFill>
+          <a:blip r:embed="rId4"/>
+          <a:stretch>
+            <a:fillRect/>
+          </a:stretch>
+        </p:blipFill>
+        <p:spPr>
+          <a:xfrm>
+            <a:off x="2182256" y="4715856"/>
+            <a:ext cx="5438148" cy="2713085"/>
+          </a:xfrm>
+          <a:prstGeom prst="rect">
+            <a:avLst/>
+          </a:prstGeom>
+        </p:spPr>
+      </p:pic>
     </p:spTree>
   </p:cSld>
   <p:clrMapOvr>
@@ -16025,8 +15961,8 @@
         </p:nvSpPr>
         <p:spPr>
           <a:xfrm>
-            <a:off x="12341669" y="4648200"/>
-            <a:ext cx="5554937" cy="5297773"/>
+            <a:off x="12341669" y="4177272"/>
+            <a:ext cx="5554937" cy="5768702"/>
           </a:xfrm>
         </p:spPr>
         <p:txBody>
@@ -19917,6 +19853,66 @@
           <a:chExt cx="0" cy="0"/>
         </a:xfrm>
       </p:grpSpPr>
+      <p:pic>
+        <p:nvPicPr>
+          <p:cNvPr id="14" name="Рисунок 13">
+            <a:extLst>
+              <a:ext uri="{FF2B5EF4-FFF2-40B4-BE49-F238E27FC236}">
+                <a16:creationId xmlns:a16="http://schemas.microsoft.com/office/drawing/2014/main" id="{14523ED8-F128-4327-6A7E-AC438F0B1B74}"/>
+              </a:ext>
+            </a:extLst>
+          </p:cNvPr>
+          <p:cNvPicPr>
+            <a:picLocks noChangeAspect="1"/>
+          </p:cNvPicPr>
+          <p:nvPr/>
+        </p:nvPicPr>
+        <p:blipFill>
+          <a:blip r:embed="rId3"/>
+          <a:stretch>
+            <a:fillRect/>
+          </a:stretch>
+        </p:blipFill>
+        <p:spPr>
+          <a:xfrm>
+            <a:off x="9198776" y="3447010"/>
+            <a:ext cx="5994876" cy="4491317"/>
+          </a:xfrm>
+          <a:prstGeom prst="rect">
+            <a:avLst/>
+          </a:prstGeom>
+        </p:spPr>
+      </p:pic>
+      <p:pic>
+        <p:nvPicPr>
+          <p:cNvPr id="4" name="Рисунок 3">
+            <a:extLst>
+              <a:ext uri="{FF2B5EF4-FFF2-40B4-BE49-F238E27FC236}">
+                <a16:creationId xmlns:a16="http://schemas.microsoft.com/office/drawing/2014/main" id="{91463F50-3094-E941-0442-F18AEB64A154}"/>
+              </a:ext>
+            </a:extLst>
+          </p:cNvPr>
+          <p:cNvPicPr>
+            <a:picLocks noChangeAspect="1"/>
+          </p:cNvPicPr>
+          <p:nvPr/>
+        </p:nvPicPr>
+        <p:blipFill>
+          <a:blip r:embed="rId4"/>
+          <a:stretch>
+            <a:fillRect/>
+          </a:stretch>
+        </p:blipFill>
+        <p:spPr>
+          <a:xfrm>
+            <a:off x="2315270" y="3447008"/>
+            <a:ext cx="5994877" cy="4491318"/>
+          </a:xfrm>
+          <a:prstGeom prst="rect">
+            <a:avLst/>
+          </a:prstGeom>
+        </p:spPr>
+      </p:pic>
       <p:grpSp>
         <p:nvGrpSpPr>
           <p:cNvPr id="1524" name="Google Shape;1524;p23"/>
@@ -20084,7 +20080,7 @@
           <p:nvPr/>
         </p:nvPicPr>
         <p:blipFill rotWithShape="1">
-          <a:blip r:embed="rId3">
+          <a:blip r:embed="rId5">
             <a:alphaModFix/>
           </a:blip>
           <a:srcRect/>
@@ -20102,66 +20098,6 @@
           <a:ln>
             <a:noFill/>
           </a:ln>
-        </p:spPr>
-      </p:pic>
-      <p:pic>
-        <p:nvPicPr>
-          <p:cNvPr id="3" name="Рисунок 2">
-            <a:extLst>
-              <a:ext uri="{FF2B5EF4-FFF2-40B4-BE49-F238E27FC236}">
-                <a16:creationId xmlns:a16="http://schemas.microsoft.com/office/drawing/2014/main" id="{AB8EDF5A-F3C0-247D-959A-1F8C210B3E57}"/>
-              </a:ext>
-            </a:extLst>
-          </p:cNvPr>
-          <p:cNvPicPr>
-            <a:picLocks noChangeAspect="1"/>
-          </p:cNvPicPr>
-          <p:nvPr/>
-        </p:nvPicPr>
-        <p:blipFill>
-          <a:blip r:embed="rId4"/>
-          <a:stretch>
-            <a:fillRect/>
-          </a:stretch>
-        </p:blipFill>
-        <p:spPr>
-          <a:xfrm>
-            <a:off x="2679927" y="3666713"/>
-            <a:ext cx="5519789" cy="4358099"/>
-          </a:xfrm>
-          <a:prstGeom prst="rect">
-            <a:avLst/>
-          </a:prstGeom>
-        </p:spPr>
-      </p:pic>
-      <p:pic>
-        <p:nvPicPr>
-          <p:cNvPr id="5" name="Рисунок 4">
-            <a:extLst>
-              <a:ext uri="{FF2B5EF4-FFF2-40B4-BE49-F238E27FC236}">
-                <a16:creationId xmlns:a16="http://schemas.microsoft.com/office/drawing/2014/main" id="{EB3A9F41-0B26-7D0B-5C49-D8A83CF9923F}"/>
-              </a:ext>
-            </a:extLst>
-          </p:cNvPr>
-          <p:cNvPicPr>
-            <a:picLocks noChangeAspect="1"/>
-          </p:cNvPicPr>
-          <p:nvPr/>
-        </p:nvPicPr>
-        <p:blipFill>
-          <a:blip r:embed="rId5"/>
-          <a:stretch>
-            <a:fillRect/>
-          </a:stretch>
-        </p:blipFill>
-        <p:spPr>
-          <a:xfrm>
-            <a:off x="9198776" y="3666713"/>
-            <a:ext cx="5523065" cy="4358099"/>
-          </a:xfrm>
-          <a:prstGeom prst="rect">
-            <a:avLst/>
-          </a:prstGeom>
         </p:spPr>
       </p:pic>
       <p:pic>
@@ -20210,8 +20146,8 @@
         </p:nvCxnSpPr>
         <p:spPr>
           <a:xfrm flipV="1">
-            <a:off x="2355402" y="7177088"/>
-            <a:ext cx="402086" cy="200192"/>
+            <a:off x="2267226" y="7409330"/>
+            <a:ext cx="171157" cy="41588"/>
           </a:xfrm>
           <a:prstGeom prst="line">
             <a:avLst/>
@@ -21554,58 +21490,6 @@
           </a:p>
         </p:txBody>
       </p:sp>
-      <p:sp>
-        <p:nvSpPr>
-          <p:cNvPr id="20" name="Овал 19">
-            <a:extLst>
-              <a:ext uri="{FF2B5EF4-FFF2-40B4-BE49-F238E27FC236}">
-                <a16:creationId xmlns:a16="http://schemas.microsoft.com/office/drawing/2014/main" id="{8E891926-DB4C-6690-2CB0-9BC0CA45C7C5}"/>
-              </a:ext>
-            </a:extLst>
-          </p:cNvPr>
-          <p:cNvSpPr/>
-          <p:nvPr/>
-        </p:nvSpPr>
-        <p:spPr>
-          <a:xfrm>
-            <a:off x="2312894" y="3917575"/>
-            <a:ext cx="1685365" cy="2393577"/>
-          </a:xfrm>
-          <a:prstGeom prst="ellipse">
-            <a:avLst/>
-          </a:prstGeom>
-          <a:noFill/>
-          <a:ln w="19050">
-            <a:solidFill>
-              <a:srgbClr val="FF0000"/>
-            </a:solidFill>
-          </a:ln>
-        </p:spPr>
-        <p:style>
-          <a:lnRef idx="2">
-            <a:schemeClr val="accent1">
-              <a:shade val="15000"/>
-            </a:schemeClr>
-          </a:lnRef>
-          <a:fillRef idx="1">
-            <a:schemeClr val="accent1"/>
-          </a:fillRef>
-          <a:effectRef idx="0">
-            <a:schemeClr val="accent1"/>
-          </a:effectRef>
-          <a:fontRef idx="minor">
-            <a:schemeClr val="lt1"/>
-          </a:fontRef>
-        </p:style>
-        <p:txBody>
-          <a:bodyPr rtlCol="0" anchor="ctr"/>
-          <a:lstStyle/>
-          <a:p>
-            <a:pPr algn="ctr"/>
-            <a:endParaRPr lang="ru-RU"/>
-          </a:p>
-        </p:txBody>
-      </p:sp>
       <p:cxnSp>
         <p:nvCxnSpPr>
           <p:cNvPr id="21" name="Прямая соединительная линия 20">
@@ -21623,7 +21507,7 @@
         <p:spPr>
           <a:xfrm>
             <a:off x="2514600" y="3019425"/>
-            <a:ext cx="165327" cy="1086410"/>
+            <a:ext cx="209551" cy="1014693"/>
           </a:xfrm>
           <a:prstGeom prst="line">
             <a:avLst/>
@@ -21647,58 +21531,6 @@
           </a:fontRef>
         </p:style>
       </p:cxnSp>
-      <p:sp>
-        <p:nvSpPr>
-          <p:cNvPr id="29" name="Прямоугольник 28">
-            <a:extLst>
-              <a:ext uri="{FF2B5EF4-FFF2-40B4-BE49-F238E27FC236}">
-                <a16:creationId xmlns:a16="http://schemas.microsoft.com/office/drawing/2014/main" id="{FF88F1C9-2A70-F6F5-4B3D-5C6DB1FA35CA}"/>
-              </a:ext>
-            </a:extLst>
-          </p:cNvPr>
-          <p:cNvSpPr/>
-          <p:nvPr/>
-        </p:nvSpPr>
-        <p:spPr>
-          <a:xfrm>
-            <a:off x="4068109" y="4034118"/>
-            <a:ext cx="4201457" cy="1837764"/>
-          </a:xfrm>
-          <a:prstGeom prst="rect">
-            <a:avLst/>
-          </a:prstGeom>
-          <a:noFill/>
-          <a:ln>
-            <a:solidFill>
-              <a:srgbClr val="FF0000"/>
-            </a:solidFill>
-          </a:ln>
-        </p:spPr>
-        <p:style>
-          <a:lnRef idx="2">
-            <a:schemeClr val="accent1">
-              <a:shade val="15000"/>
-            </a:schemeClr>
-          </a:lnRef>
-          <a:fillRef idx="1">
-            <a:schemeClr val="accent1"/>
-          </a:fillRef>
-          <a:effectRef idx="0">
-            <a:schemeClr val="accent1"/>
-          </a:effectRef>
-          <a:fontRef idx="minor">
-            <a:schemeClr val="lt1"/>
-          </a:fontRef>
-        </p:style>
-        <p:txBody>
-          <a:bodyPr rtlCol="0" anchor="ctr"/>
-          <a:lstStyle/>
-          <a:p>
-            <a:pPr algn="ctr"/>
-            <a:endParaRPr lang="ru-RU"/>
-          </a:p>
-        </p:txBody>
-      </p:sp>
       <p:cxnSp>
         <p:nvCxnSpPr>
           <p:cNvPr id="30" name="Прямая соединительная линия 29">
@@ -21756,7 +21588,7 @@
         </p:nvSpPr>
         <p:spPr>
           <a:xfrm>
-            <a:off x="2964075" y="8461710"/>
+            <a:off x="2938675" y="8375532"/>
             <a:ext cx="3774140" cy="1425202"/>
           </a:xfrm>
           <a:prstGeom prst="rect">
@@ -22316,58 +22148,6 @@
           </a:p>
         </p:txBody>
       </p:sp>
-      <p:sp>
-        <p:nvSpPr>
-          <p:cNvPr id="40" name="Овал 39">
-            <a:extLst>
-              <a:ext uri="{FF2B5EF4-FFF2-40B4-BE49-F238E27FC236}">
-                <a16:creationId xmlns:a16="http://schemas.microsoft.com/office/drawing/2014/main" id="{EB4ADB1C-420C-AE53-8C17-9808E89DCF56}"/>
-              </a:ext>
-            </a:extLst>
-          </p:cNvPr>
-          <p:cNvSpPr/>
-          <p:nvPr/>
-        </p:nvSpPr>
-        <p:spPr>
-          <a:xfrm>
-            <a:off x="2588419" y="6277045"/>
-            <a:ext cx="1662112" cy="1045299"/>
-          </a:xfrm>
-          <a:prstGeom prst="ellipse">
-            <a:avLst/>
-          </a:prstGeom>
-          <a:noFill/>
-          <a:ln>
-            <a:solidFill>
-              <a:srgbClr val="FF0000"/>
-            </a:solidFill>
-          </a:ln>
-        </p:spPr>
-        <p:style>
-          <a:lnRef idx="2">
-            <a:schemeClr val="accent1">
-              <a:shade val="15000"/>
-            </a:schemeClr>
-          </a:lnRef>
-          <a:fillRef idx="1">
-            <a:schemeClr val="accent1"/>
-          </a:fillRef>
-          <a:effectRef idx="0">
-            <a:schemeClr val="accent1"/>
-          </a:effectRef>
-          <a:fontRef idx="minor">
-            <a:schemeClr val="lt1"/>
-          </a:fontRef>
-        </p:style>
-        <p:txBody>
-          <a:bodyPr rtlCol="0" anchor="ctr"/>
-          <a:lstStyle/>
-          <a:p>
-            <a:pPr algn="ctr"/>
-            <a:endParaRPr lang="ru-RU"/>
-          </a:p>
-        </p:txBody>
-      </p:sp>
       <p:cxnSp>
         <p:nvCxnSpPr>
           <p:cNvPr id="41" name="Прямая соединительная линия 40">
@@ -22385,7 +22165,7 @@
         <p:spPr>
           <a:xfrm>
             <a:off x="2105025" y="6486525"/>
-            <a:ext cx="504155" cy="183379"/>
+            <a:ext cx="304984" cy="570382"/>
           </a:xfrm>
           <a:prstGeom prst="line">
             <a:avLst/>
@@ -22425,8 +22205,8 @@
         </p:nvCxnSpPr>
         <p:spPr>
           <a:xfrm flipH="1" flipV="1">
-            <a:off x="3498850" y="7874000"/>
-            <a:ext cx="254000" cy="1060450"/>
+            <a:off x="3481388" y="7781131"/>
+            <a:ext cx="271462" cy="1153319"/>
           </a:xfrm>
           <a:prstGeom prst="line">
             <a:avLst/>
@@ -22754,8 +22534,8 @@
         </p:nvCxnSpPr>
         <p:spPr>
           <a:xfrm flipV="1">
-            <a:off x="2243045" y="7410450"/>
-            <a:ext cx="651180" cy="1524000"/>
+            <a:off x="2243045" y="7572352"/>
+            <a:ext cx="333928" cy="1362098"/>
           </a:xfrm>
           <a:prstGeom prst="line">
             <a:avLst/>
@@ -22796,7 +22576,7 @@
         <p:spPr>
           <a:xfrm>
             <a:off x="11849100" y="2752725"/>
-            <a:ext cx="1247775" cy="1895475"/>
+            <a:ext cx="1496367" cy="1577228"/>
           </a:xfrm>
           <a:prstGeom prst="line">
             <a:avLst/>
@@ -22836,8 +22616,8 @@
         </p:nvCxnSpPr>
         <p:spPr>
           <a:xfrm flipH="1">
-            <a:off x="14411325" y="2609850"/>
-            <a:ext cx="981075" cy="2419350"/>
+            <a:off x="14050970" y="2609850"/>
+            <a:ext cx="1341430" cy="1935256"/>
           </a:xfrm>
           <a:prstGeom prst="line">
             <a:avLst/>
@@ -22876,9 +22656,9 @@
           <p:nvPr/>
         </p:nvCxnSpPr>
         <p:spPr>
-          <a:xfrm flipH="1">
-            <a:off x="14411325" y="4974431"/>
-            <a:ext cx="919163" cy="492919"/>
+          <a:xfrm flipH="1" flipV="1">
+            <a:off x="14881412" y="4760259"/>
+            <a:ext cx="411614" cy="133490"/>
           </a:xfrm>
           <a:prstGeom prst="line">
             <a:avLst/>
@@ -25607,8 +25387,8 @@
         </p:nvGrpSpPr>
         <p:grpSpPr>
           <a:xfrm>
-            <a:off x="0" y="-108496"/>
-            <a:ext cx="18287996" cy="5522409"/>
+            <a:off x="0" y="-108495"/>
+            <a:ext cx="18288000" cy="7638847"/>
             <a:chOff x="0" y="-28575"/>
             <a:chExt cx="4816592" cy="1454462"/>
           </a:xfrm>
@@ -25714,8 +25494,8 @@
         </p:nvSpPr>
         <p:spPr>
           <a:xfrm>
-            <a:off x="3492499" y="1041400"/>
-            <a:ext cx="11066427" cy="4075859"/>
+            <a:off x="0" y="1041400"/>
+            <a:ext cx="18287996" cy="4801314"/>
           </a:xfrm>
           <a:prstGeom prst="rect">
             <a:avLst/>
@@ -25744,7 +25524,7 @@
               <a:buNone/>
             </a:pPr>
             <a:r>
-              <a:rPr lang="ru-RU" sz="11036" b="0" i="0" u="none" strike="noStrike" cap="none" dirty="0">
+              <a:rPr lang="ru-RU" sz="13000" b="0" i="0" u="none" strike="noStrike" cap="none" dirty="0">
                 <a:solidFill>
                   <a:srgbClr val="DEC0F1"/>
                 </a:solidFill>
@@ -25756,7 +25536,7 @@
               <a:t>Спасибо за просмотр</a:t>
             </a:r>
             <a:r>
-              <a:rPr lang="en-US" sz="11036" b="0" i="0" u="none" strike="noStrike" cap="none" dirty="0">
+              <a:rPr lang="en-US" sz="13000" b="0" i="0" u="none" strike="noStrike" cap="none" dirty="0">
                 <a:solidFill>
                   <a:srgbClr val="DEC0F1"/>
                 </a:solidFill>
@@ -25767,7 +25547,7 @@
               </a:rPr>
               <a:t>!</a:t>
             </a:r>
-            <a:endParaRPr dirty="0"/>
+            <a:endParaRPr sz="13000" dirty="0"/>
           </a:p>
         </p:txBody>
       </p:sp>
@@ -25779,8 +25559,8 @@
         </p:nvGrpSpPr>
         <p:grpSpPr>
           <a:xfrm>
-            <a:off x="7472926" y="7219976"/>
-            <a:ext cx="1671075" cy="1671075"/>
+            <a:off x="7245419" y="8530171"/>
+            <a:ext cx="1145545" cy="1145545"/>
             <a:chOff x="0" y="0"/>
             <a:chExt cx="812800" cy="812800"/>
           </a:xfrm>
@@ -25886,8 +25666,8 @@
         </p:nvGrpSpPr>
         <p:grpSpPr>
           <a:xfrm>
-            <a:off x="4709093" y="7219976"/>
-            <a:ext cx="1671075" cy="1671075"/>
+            <a:off x="4481586" y="8530171"/>
+            <a:ext cx="1145545" cy="1145545"/>
             <a:chOff x="0" y="0"/>
             <a:chExt cx="812800" cy="812800"/>
           </a:xfrm>
@@ -25993,8 +25773,8 @@
         </p:nvGrpSpPr>
         <p:grpSpPr>
           <a:xfrm>
-            <a:off x="10236758" y="7219976"/>
-            <a:ext cx="1671075" cy="1671075"/>
+            <a:off x="10009251" y="8530171"/>
+            <a:ext cx="1145545" cy="1145545"/>
             <a:chOff x="0" y="0"/>
             <a:chExt cx="812800" cy="812800"/>
           </a:xfrm>
@@ -26107,8 +25887,8 @@
         </p:blipFill>
         <p:spPr>
           <a:xfrm>
-            <a:off x="4867514" y="7364390"/>
-            <a:ext cx="1260550" cy="1459585"/>
+            <a:off x="4510902" y="8608074"/>
+            <a:ext cx="864125" cy="1000566"/>
           </a:xfrm>
           <a:prstGeom prst="rect">
             <a:avLst/>
@@ -26134,8 +25914,8 @@
         </p:blipFill>
         <p:spPr>
           <a:xfrm>
-            <a:off x="10368469" y="7360524"/>
-            <a:ext cx="1435725" cy="1435725"/>
+            <a:off x="10066948" y="8596705"/>
+            <a:ext cx="984209" cy="984209"/>
           </a:xfrm>
           <a:prstGeom prst="rect">
             <a:avLst/>
@@ -26161,8 +25941,8 @@
         </p:blipFill>
         <p:spPr>
           <a:xfrm>
-            <a:off x="7773391" y="7392698"/>
-            <a:ext cx="1070145" cy="1325630"/>
+            <a:off x="7356900" y="8594255"/>
+            <a:ext cx="733599" cy="908738"/>
           </a:xfrm>
           <a:prstGeom prst="rect">
             <a:avLst/>
@@ -26181,8 +25961,8 @@
         </p:nvGrpSpPr>
         <p:grpSpPr>
           <a:xfrm>
-            <a:off x="12887852" y="7219976"/>
-            <a:ext cx="1671075" cy="1671075"/>
+            <a:off x="12660345" y="8530171"/>
+            <a:ext cx="1145545" cy="1145545"/>
             <a:chOff x="0" y="0"/>
             <a:chExt cx="812800" cy="812800"/>
           </a:xfrm>
@@ -26295,8 +26075,8 @@
         </p:blipFill>
         <p:spPr>
           <a:xfrm>
-            <a:off x="13107698" y="7316133"/>
-            <a:ext cx="1231383" cy="1402196"/>
+            <a:off x="12741913" y="8541768"/>
+            <a:ext cx="844131" cy="961225"/>
           </a:xfrm>
           <a:prstGeom prst="rect">
             <a:avLst/>
